--- a/make_presentation/templates/templates/style/3.pptx
+++ b/make_presentation/templates/templates/style/3.pptx
@@ -63,7 +63,7 @@
         <p:txBody>
           <a:bodyPr/>
           <a:p>
-            <a:fld id="{D12289AC-ADCC-4095-A211-4A8A7D665D11}" type="slidenum">
+            <a:fld id="{89CF2288-8FFC-4184-80C5-1CCB4B085287}" type="slidenum">
               <a:t>&lt;#&gt;</a:t>
             </a:fld>
           </a:p>
@@ -114,7 +114,7 @@
       </p:grpSpPr>
       <p:sp>
         <p:nvSpPr>
-          <p:cNvPr id="26" name="PlaceHolder 1"/>
+          <p:cNvPr id="24" name="PlaceHolder 1"/>
           <p:cNvSpPr>
             <a:spLocks noGrp="1"/>
           </p:cNvSpPr>
@@ -151,7 +151,7 @@
       </p:sp>
       <p:sp>
         <p:nvSpPr>
-          <p:cNvPr id="27" name="PlaceHolder 2"/>
+          <p:cNvPr id="25" name="PlaceHolder 2"/>
           <p:cNvSpPr>
             <a:spLocks noGrp="1"/>
           </p:cNvSpPr>
@@ -185,7 +185,7 @@
       </p:sp>
       <p:sp>
         <p:nvSpPr>
-          <p:cNvPr id="28" name="PlaceHolder 3"/>
+          <p:cNvPr id="26" name="PlaceHolder 3"/>
           <p:cNvSpPr>
             <a:spLocks noGrp="1"/>
           </p:cNvSpPr>
@@ -251,7 +251,7 @@
         <p:txBody>
           <a:bodyPr/>
           <a:p>
-            <a:fld id="{1D7FE789-F3DA-4DAA-9738-F7B95BB69690}" type="slidenum">
+            <a:fld id="{B1DEC725-775D-4028-9462-F83ECBB9C9C8}" type="slidenum">
               <a:t>&lt;#&gt;</a:t>
             </a:fld>
           </a:p>
@@ -302,7 +302,7 @@
       </p:grpSpPr>
       <p:sp>
         <p:nvSpPr>
-          <p:cNvPr id="29" name="PlaceHolder 1"/>
+          <p:cNvPr id="27" name="PlaceHolder 1"/>
           <p:cNvSpPr>
             <a:spLocks noGrp="1"/>
           </p:cNvSpPr>
@@ -339,7 +339,7 @@
       </p:sp>
       <p:sp>
         <p:nvSpPr>
-          <p:cNvPr id="30" name="PlaceHolder 2"/>
+          <p:cNvPr id="28" name="PlaceHolder 2"/>
           <p:cNvSpPr>
             <a:spLocks noGrp="1"/>
           </p:cNvSpPr>
@@ -373,7 +373,7 @@
       </p:sp>
       <p:sp>
         <p:nvSpPr>
-          <p:cNvPr id="31" name="PlaceHolder 3"/>
+          <p:cNvPr id="29" name="PlaceHolder 3"/>
           <p:cNvSpPr>
             <a:spLocks noGrp="1"/>
           </p:cNvSpPr>
@@ -407,7 +407,7 @@
       </p:sp>
       <p:sp>
         <p:nvSpPr>
-          <p:cNvPr id="32" name="PlaceHolder 4"/>
+          <p:cNvPr id="30" name="PlaceHolder 4"/>
           <p:cNvSpPr>
             <a:spLocks noGrp="1"/>
           </p:cNvSpPr>
@@ -441,7 +441,7 @@
       </p:sp>
       <p:sp>
         <p:nvSpPr>
-          <p:cNvPr id="33" name="PlaceHolder 5"/>
+          <p:cNvPr id="31" name="PlaceHolder 5"/>
           <p:cNvSpPr>
             <a:spLocks noGrp="1"/>
           </p:cNvSpPr>
@@ -507,7 +507,7 @@
         <p:txBody>
           <a:bodyPr/>
           <a:p>
-            <a:fld id="{53CD9AE4-A530-4A6D-8087-FCB04239465F}" type="slidenum">
+            <a:fld id="{ECF95A79-7F54-4093-A664-FFD999FEBBDF}" type="slidenum">
               <a:t>&lt;#&gt;</a:t>
             </a:fld>
           </a:p>
@@ -558,7 +558,7 @@
       </p:grpSpPr>
       <p:sp>
         <p:nvSpPr>
-          <p:cNvPr id="34" name="PlaceHolder 1"/>
+          <p:cNvPr id="32" name="PlaceHolder 1"/>
           <p:cNvSpPr>
             <a:spLocks noGrp="1"/>
           </p:cNvSpPr>
@@ -595,7 +595,7 @@
       </p:sp>
       <p:sp>
         <p:nvSpPr>
-          <p:cNvPr id="35" name="PlaceHolder 2"/>
+          <p:cNvPr id="33" name="PlaceHolder 2"/>
           <p:cNvSpPr>
             <a:spLocks noGrp="1"/>
           </p:cNvSpPr>
@@ -629,7 +629,7 @@
       </p:sp>
       <p:sp>
         <p:nvSpPr>
-          <p:cNvPr id="36" name="PlaceHolder 3"/>
+          <p:cNvPr id="34" name="PlaceHolder 3"/>
           <p:cNvSpPr>
             <a:spLocks noGrp="1"/>
           </p:cNvSpPr>
@@ -663,7 +663,7 @@
       </p:sp>
       <p:sp>
         <p:nvSpPr>
-          <p:cNvPr id="37" name="PlaceHolder 4"/>
+          <p:cNvPr id="35" name="PlaceHolder 4"/>
           <p:cNvSpPr>
             <a:spLocks noGrp="1"/>
           </p:cNvSpPr>
@@ -697,7 +697,7 @@
       </p:sp>
       <p:sp>
         <p:nvSpPr>
-          <p:cNvPr id="38" name="PlaceHolder 5"/>
+          <p:cNvPr id="36" name="PlaceHolder 5"/>
           <p:cNvSpPr>
             <a:spLocks noGrp="1"/>
           </p:cNvSpPr>
@@ -731,7 +731,7 @@
       </p:sp>
       <p:sp>
         <p:nvSpPr>
-          <p:cNvPr id="39" name="PlaceHolder 6"/>
+          <p:cNvPr id="37" name="PlaceHolder 6"/>
           <p:cNvSpPr>
             <a:spLocks noGrp="1"/>
           </p:cNvSpPr>
@@ -765,7 +765,7 @@
       </p:sp>
       <p:sp>
         <p:nvSpPr>
-          <p:cNvPr id="40" name="PlaceHolder 7"/>
+          <p:cNvPr id="38" name="PlaceHolder 7"/>
           <p:cNvSpPr>
             <a:spLocks noGrp="1"/>
           </p:cNvSpPr>
@@ -831,7 +831,7 @@
         <p:txBody>
           <a:bodyPr/>
           <a:p>
-            <a:fld id="{3FA61E0B-C258-4CBA-9947-BB9CB50FECEB}" type="slidenum">
+            <a:fld id="{FBD0B8FF-6FDB-48B0-8BFD-65FFFF077D02}" type="slidenum">
               <a:t>&lt;#&gt;</a:t>
             </a:fld>
           </a:p>
@@ -882,7 +882,7 @@
       </p:grpSpPr>
       <p:sp>
         <p:nvSpPr>
-          <p:cNvPr id="5" name="PlaceHolder 1"/>
+          <p:cNvPr id="3" name="PlaceHolder 1"/>
           <p:cNvSpPr>
             <a:spLocks noGrp="1"/>
           </p:cNvSpPr>
@@ -919,7 +919,7 @@
       </p:sp>
       <p:sp>
         <p:nvSpPr>
-          <p:cNvPr id="6" name="PlaceHolder 2"/>
+          <p:cNvPr id="4" name="PlaceHolder 2"/>
           <p:cNvSpPr>
             <a:spLocks noGrp="1"/>
           </p:cNvSpPr>
@@ -988,7 +988,7 @@
         <p:txBody>
           <a:bodyPr/>
           <a:p>
-            <a:fld id="{BE3D41C7-58F8-4372-A9C9-CBD8D053FC74}" type="slidenum">
+            <a:fld id="{6DC26D86-2EFB-4509-86DB-EE4C145C6555}" type="slidenum">
               <a:t>&lt;#&gt;</a:t>
             </a:fld>
           </a:p>
@@ -1039,7 +1039,7 @@
       </p:grpSpPr>
       <p:sp>
         <p:nvSpPr>
-          <p:cNvPr id="7" name="PlaceHolder 1"/>
+          <p:cNvPr id="5" name="PlaceHolder 1"/>
           <p:cNvSpPr>
             <a:spLocks noGrp="1"/>
           </p:cNvSpPr>
@@ -1076,7 +1076,7 @@
       </p:sp>
       <p:sp>
         <p:nvSpPr>
-          <p:cNvPr id="8" name="PlaceHolder 2"/>
+          <p:cNvPr id="6" name="PlaceHolder 2"/>
           <p:cNvSpPr>
             <a:spLocks noGrp="1"/>
           </p:cNvSpPr>
@@ -1142,7 +1142,7 @@
         <p:txBody>
           <a:bodyPr/>
           <a:p>
-            <a:fld id="{9E9BD95A-A3C4-4CCA-B76D-54FB44C809A5}" type="slidenum">
+            <a:fld id="{B2F90F3A-2548-43A8-922C-4409F8CC7D5F}" type="slidenum">
               <a:t>&lt;#&gt;</a:t>
             </a:fld>
           </a:p>
@@ -1193,7 +1193,7 @@
       </p:grpSpPr>
       <p:sp>
         <p:nvSpPr>
-          <p:cNvPr id="9" name="PlaceHolder 1"/>
+          <p:cNvPr id="7" name="PlaceHolder 1"/>
           <p:cNvSpPr>
             <a:spLocks noGrp="1"/>
           </p:cNvSpPr>
@@ -1230,7 +1230,7 @@
       </p:sp>
       <p:sp>
         <p:nvSpPr>
-          <p:cNvPr id="10" name="PlaceHolder 2"/>
+          <p:cNvPr id="8" name="PlaceHolder 2"/>
           <p:cNvSpPr>
             <a:spLocks noGrp="1"/>
           </p:cNvSpPr>
@@ -1264,7 +1264,7 @@
       </p:sp>
       <p:sp>
         <p:nvSpPr>
-          <p:cNvPr id="11" name="PlaceHolder 3"/>
+          <p:cNvPr id="9" name="PlaceHolder 3"/>
           <p:cNvSpPr>
             <a:spLocks noGrp="1"/>
           </p:cNvSpPr>
@@ -1330,7 +1330,7 @@
         <p:txBody>
           <a:bodyPr/>
           <a:p>
-            <a:fld id="{58D814B2-0D53-478C-A0CA-D1730235A6CD}" type="slidenum">
+            <a:fld id="{7D5086AF-9158-4640-9B24-B0775CBC8391}" type="slidenum">
               <a:t>&lt;#&gt;</a:t>
             </a:fld>
           </a:p>
@@ -1381,7 +1381,7 @@
       </p:grpSpPr>
       <p:sp>
         <p:nvSpPr>
-          <p:cNvPr id="12" name="PlaceHolder 1"/>
+          <p:cNvPr id="10" name="PlaceHolder 1"/>
           <p:cNvSpPr>
             <a:spLocks noGrp="1"/>
           </p:cNvSpPr>
@@ -1450,7 +1450,7 @@
         <p:txBody>
           <a:bodyPr/>
           <a:p>
-            <a:fld id="{77F23B8D-D885-4CA0-908F-D5719FA6119B}" type="slidenum">
+            <a:fld id="{73044037-22EB-4CAB-AE60-46811D3A5ACB}" type="slidenum">
               <a:t>&lt;#&gt;</a:t>
             </a:fld>
           </a:p>
@@ -1501,7 +1501,7 @@
       </p:grpSpPr>
       <p:sp>
         <p:nvSpPr>
-          <p:cNvPr id="13" name="PlaceHolder 1"/>
+          <p:cNvPr id="11" name="PlaceHolder 1"/>
           <p:cNvSpPr>
             <a:spLocks noGrp="1"/>
           </p:cNvSpPr>
@@ -1570,7 +1570,7 @@
         <p:txBody>
           <a:bodyPr/>
           <a:p>
-            <a:fld id="{63642681-AB7C-4636-81FA-B2716C5E2901}" type="slidenum">
+            <a:fld id="{C4B43125-2769-4BDB-BA93-09A875A0640F}" type="slidenum">
               <a:t>&lt;#&gt;</a:t>
             </a:fld>
           </a:p>
@@ -1621,7 +1621,7 @@
       </p:grpSpPr>
       <p:sp>
         <p:nvSpPr>
-          <p:cNvPr id="14" name="PlaceHolder 1"/>
+          <p:cNvPr id="12" name="PlaceHolder 1"/>
           <p:cNvSpPr>
             <a:spLocks noGrp="1"/>
           </p:cNvSpPr>
@@ -1658,7 +1658,7 @@
       </p:sp>
       <p:sp>
         <p:nvSpPr>
-          <p:cNvPr id="15" name="PlaceHolder 2"/>
+          <p:cNvPr id="13" name="PlaceHolder 2"/>
           <p:cNvSpPr>
             <a:spLocks noGrp="1"/>
           </p:cNvSpPr>
@@ -1692,7 +1692,7 @@
       </p:sp>
       <p:sp>
         <p:nvSpPr>
-          <p:cNvPr id="16" name="PlaceHolder 3"/>
+          <p:cNvPr id="14" name="PlaceHolder 3"/>
           <p:cNvSpPr>
             <a:spLocks noGrp="1"/>
           </p:cNvSpPr>
@@ -1726,7 +1726,7 @@
       </p:sp>
       <p:sp>
         <p:nvSpPr>
-          <p:cNvPr id="17" name="PlaceHolder 4"/>
+          <p:cNvPr id="15" name="PlaceHolder 4"/>
           <p:cNvSpPr>
             <a:spLocks noGrp="1"/>
           </p:cNvSpPr>
@@ -1792,7 +1792,7 @@
         <p:txBody>
           <a:bodyPr/>
           <a:p>
-            <a:fld id="{F1590D29-54CC-4967-8A23-2D6E3CA33FD8}" type="slidenum">
+            <a:fld id="{916A2472-8FF2-4FF1-82BA-633396FBA2F7}" type="slidenum">
               <a:t>&lt;#&gt;</a:t>
             </a:fld>
           </a:p>
@@ -1843,7 +1843,7 @@
       </p:grpSpPr>
       <p:sp>
         <p:nvSpPr>
-          <p:cNvPr id="18" name="PlaceHolder 1"/>
+          <p:cNvPr id="16" name="PlaceHolder 1"/>
           <p:cNvSpPr>
             <a:spLocks noGrp="1"/>
           </p:cNvSpPr>
@@ -1880,7 +1880,7 @@
       </p:sp>
       <p:sp>
         <p:nvSpPr>
-          <p:cNvPr id="19" name="PlaceHolder 2"/>
+          <p:cNvPr id="17" name="PlaceHolder 2"/>
           <p:cNvSpPr>
             <a:spLocks noGrp="1"/>
           </p:cNvSpPr>
@@ -1914,7 +1914,7 @@
       </p:sp>
       <p:sp>
         <p:nvSpPr>
-          <p:cNvPr id="20" name="PlaceHolder 3"/>
+          <p:cNvPr id="18" name="PlaceHolder 3"/>
           <p:cNvSpPr>
             <a:spLocks noGrp="1"/>
           </p:cNvSpPr>
@@ -1948,7 +1948,7 @@
       </p:sp>
       <p:sp>
         <p:nvSpPr>
-          <p:cNvPr id="21" name="PlaceHolder 4"/>
+          <p:cNvPr id="19" name="PlaceHolder 4"/>
           <p:cNvSpPr>
             <a:spLocks noGrp="1"/>
           </p:cNvSpPr>
@@ -2014,7 +2014,7 @@
         <p:txBody>
           <a:bodyPr/>
           <a:p>
-            <a:fld id="{F02D1A7B-69AD-4A17-934A-09DFA91FBFA3}" type="slidenum">
+            <a:fld id="{02C06D54-DF85-474C-8A51-A65C22AF2157}" type="slidenum">
               <a:t>&lt;#&gt;</a:t>
             </a:fld>
           </a:p>
@@ -2065,7 +2065,7 @@
       </p:grpSpPr>
       <p:sp>
         <p:nvSpPr>
-          <p:cNvPr id="22" name="PlaceHolder 1"/>
+          <p:cNvPr id="20" name="PlaceHolder 1"/>
           <p:cNvSpPr>
             <a:spLocks noGrp="1"/>
           </p:cNvSpPr>
@@ -2102,7 +2102,7 @@
       </p:sp>
       <p:sp>
         <p:nvSpPr>
-          <p:cNvPr id="23" name="PlaceHolder 2"/>
+          <p:cNvPr id="21" name="PlaceHolder 2"/>
           <p:cNvSpPr>
             <a:spLocks noGrp="1"/>
           </p:cNvSpPr>
@@ -2136,7 +2136,7 @@
       </p:sp>
       <p:sp>
         <p:nvSpPr>
-          <p:cNvPr id="24" name="PlaceHolder 3"/>
+          <p:cNvPr id="22" name="PlaceHolder 3"/>
           <p:cNvSpPr>
             <a:spLocks noGrp="1"/>
           </p:cNvSpPr>
@@ -2170,7 +2170,7 @@
       </p:sp>
       <p:sp>
         <p:nvSpPr>
-          <p:cNvPr id="25" name="PlaceHolder 4"/>
+          <p:cNvPr id="23" name="PlaceHolder 4"/>
           <p:cNvSpPr>
             <a:spLocks noGrp="1"/>
           </p:cNvSpPr>
@@ -2236,7 +2236,7 @@
         <p:txBody>
           <a:bodyPr/>
           <a:p>
-            <a:fld id="{3758CA8B-9D99-4EAF-9BC9-F1C18ABEF8A7}" type="slidenum">
+            <a:fld id="{C3CBC0AB-3F74-45B6-94AC-FFBBD048E3A2}" type="slidenum">
               <a:t>&lt;#&gt;</a:t>
             </a:fld>
           </a:p>
@@ -2306,7 +2306,7 @@
         <p:spPr>
           <a:xfrm>
             <a:off x="3029040" y="4767120"/>
-            <a:ext cx="3081960" cy="269640"/>
+            <a:ext cx="3083760" cy="271440"/>
           </a:xfrm>
           <a:prstGeom prst="rect">
             <a:avLst/>
@@ -2342,7 +2342,7 @@
               <a:rPr b="0" lang="en-US" sz="1400" spc="-1" strike="noStrike">
                 <a:latin typeface="Times New Roman"/>
               </a:rPr>
-              <a:t> </a:t>
+              <a:t>&lt;footer&gt;</a:t>
             </a:r>
             <a:endParaRPr b="0" lang="en-US" sz="1400" spc="-1" strike="noStrike">
               <a:latin typeface="Times New Roman"/>
@@ -2363,7 +2363,7 @@
         <p:spPr>
           <a:xfrm>
             <a:off x="6458040" y="4767120"/>
-            <a:ext cx="2053080" cy="269640"/>
+            <a:ext cx="2054880" cy="271440"/>
           </a:xfrm>
           <a:prstGeom prst="rect">
             <a:avLst/>
@@ -2398,7 +2398,7 @@
               </a:lnSpc>
               <a:buNone/>
             </a:pPr>
-            <a:fld id="{EA5592D2-02F8-47AC-B5BB-05F9085F978B}" type="slidenum">
+            <a:fld id="{1D598964-1D05-43AE-B51D-09FE9E863C4B}" type="slidenum">
               <a:rPr b="0" lang="en-US" sz="900" spc="-1" strike="noStrike">
                 <a:solidFill>
                   <a:srgbClr val="8b8b8b"/>
@@ -2426,7 +2426,7 @@
         <p:spPr>
           <a:xfrm>
             <a:off x="628560" y="4767120"/>
-            <a:ext cx="2053080" cy="269640"/>
+            <a:ext cx="2054880" cy="271440"/>
           </a:xfrm>
           <a:prstGeom prst="rect">
             <a:avLst/>
@@ -2456,232 +2456,6 @@
             </a:r>
             <a:endParaRPr b="0" lang="en-US" sz="1400" spc="-1" strike="noStrike">
               <a:latin typeface="Times New Roman"/>
-            </a:endParaRPr>
-          </a:p>
-        </p:txBody>
-      </p:sp>
-      <p:sp>
-        <p:nvSpPr>
-          <p:cNvPr id="3" name="PlaceHolder 4"/>
-          <p:cNvSpPr>
-            <a:spLocks noGrp="1"/>
-          </p:cNvSpPr>
-          <p:nvPr>
-            <p:ph type="title"/>
-          </p:nvPr>
-        </p:nvSpPr>
-        <p:spPr>
-          <a:xfrm>
-            <a:off x="457200" y="205200"/>
-            <a:ext cx="8229240" cy="858600"/>
-          </a:xfrm>
-          <a:prstGeom prst="rect">
-            <a:avLst/>
-          </a:prstGeom>
-          <a:noFill/>
-          <a:ln w="0">
-            <a:noFill/>
-          </a:ln>
-        </p:spPr>
-        <p:txBody>
-          <a:bodyPr lIns="0" rIns="0" tIns="0" bIns="0" anchor="ctr">
-            <a:noAutofit/>
-          </a:bodyPr>
-          <a:p>
-            <a:pPr algn="ctr">
-              <a:buNone/>
-            </a:pPr>
-            <a:r>
-              <a:rPr b="0" lang="en-US" sz="4400" spc="-1" strike="noStrike">
-                <a:latin typeface="Arial"/>
-              </a:rPr>
-              <a:t>Click to edit the title text format</a:t>
-            </a:r>
-            <a:endParaRPr b="0" lang="en-US" sz="4400" spc="-1" strike="noStrike">
-              <a:latin typeface="Arial"/>
-            </a:endParaRPr>
-          </a:p>
-        </p:txBody>
-      </p:sp>
-      <p:sp>
-        <p:nvSpPr>
-          <p:cNvPr id="4" name="PlaceHolder 5"/>
-          <p:cNvSpPr>
-            <a:spLocks noGrp="1"/>
-          </p:cNvSpPr>
-          <p:nvPr>
-            <p:ph type="body"/>
-          </p:nvPr>
-        </p:nvSpPr>
-        <p:spPr>
-          <a:xfrm>
-            <a:off x="457200" y="1203480"/>
-            <a:ext cx="8229240" cy="2982960"/>
-          </a:xfrm>
-          <a:prstGeom prst="rect">
-            <a:avLst/>
-          </a:prstGeom>
-          <a:noFill/>
-          <a:ln w="0">
-            <a:noFill/>
-          </a:ln>
-        </p:spPr>
-        <p:txBody>
-          <a:bodyPr lIns="0" rIns="0" tIns="0" bIns="0" anchor="t">
-            <a:normAutofit/>
-          </a:bodyPr>
-          <a:p>
-            <a:pPr marL="432000" indent="-324000">
-              <a:spcBef>
-                <a:spcPts val="1417"/>
-              </a:spcBef>
-              <a:buClr>
-                <a:srgbClr val="ffffff"/>
-              </a:buClr>
-              <a:buSzPct val="45000"/>
-              <a:buFont typeface="Wingdings" charset="2"/>
-              <a:buChar char=""/>
-            </a:pPr>
-            <a:r>
-              <a:rPr b="0" lang="en-US" sz="3200" spc="-1" strike="noStrike">
-                <a:latin typeface="Arial"/>
-              </a:rPr>
-              <a:t>Click to edit the outline text format</a:t>
-            </a:r>
-            <a:endParaRPr b="0" lang="en-US" sz="3200" spc="-1" strike="noStrike">
-              <a:latin typeface="Arial"/>
-            </a:endParaRPr>
-          </a:p>
-          <a:p>
-            <a:pPr lvl="1" marL="864000" indent="-324000">
-              <a:spcBef>
-                <a:spcPts val="1134"/>
-              </a:spcBef>
-              <a:buClr>
-                <a:srgbClr val="ffffff"/>
-              </a:buClr>
-              <a:buSzPct val="75000"/>
-              <a:buFont typeface="Symbol" charset="2"/>
-              <a:buChar char=""/>
-            </a:pPr>
-            <a:r>
-              <a:rPr b="0" lang="en-US" sz="2800" spc="-1" strike="noStrike">
-                <a:latin typeface="Arial"/>
-              </a:rPr>
-              <a:t>Second Outline Level</a:t>
-            </a:r>
-            <a:endParaRPr b="0" lang="en-US" sz="2800" spc="-1" strike="noStrike">
-              <a:latin typeface="Arial"/>
-            </a:endParaRPr>
-          </a:p>
-          <a:p>
-            <a:pPr lvl="2" marL="1296000" indent="-288000">
-              <a:spcBef>
-                <a:spcPts val="850"/>
-              </a:spcBef>
-              <a:buClr>
-                <a:srgbClr val="ffffff"/>
-              </a:buClr>
-              <a:buSzPct val="45000"/>
-              <a:buFont typeface="Wingdings" charset="2"/>
-              <a:buChar char=""/>
-            </a:pPr>
-            <a:r>
-              <a:rPr b="0" lang="en-US" sz="2400" spc="-1" strike="noStrike">
-                <a:latin typeface="Arial"/>
-              </a:rPr>
-              <a:t>Third Outline Level</a:t>
-            </a:r>
-            <a:endParaRPr b="0" lang="en-US" sz="2400" spc="-1" strike="noStrike">
-              <a:latin typeface="Arial"/>
-            </a:endParaRPr>
-          </a:p>
-          <a:p>
-            <a:pPr lvl="3" marL="1728000" indent="-216000">
-              <a:spcBef>
-                <a:spcPts val="567"/>
-              </a:spcBef>
-              <a:buClr>
-                <a:srgbClr val="ffffff"/>
-              </a:buClr>
-              <a:buSzPct val="75000"/>
-              <a:buFont typeface="Symbol" charset="2"/>
-              <a:buChar char=""/>
-            </a:pPr>
-            <a:r>
-              <a:rPr b="0" lang="en-US" sz="2000" spc="-1" strike="noStrike">
-                <a:latin typeface="Arial"/>
-              </a:rPr>
-              <a:t>Fourth Outline Level</a:t>
-            </a:r>
-            <a:endParaRPr b="0" lang="en-US" sz="2000" spc="-1" strike="noStrike">
-              <a:latin typeface="Arial"/>
-            </a:endParaRPr>
-          </a:p>
-          <a:p>
-            <a:pPr lvl="4" marL="2160000" indent="-216000">
-              <a:spcBef>
-                <a:spcPts val="283"/>
-              </a:spcBef>
-              <a:buClr>
-                <a:srgbClr val="ffffff"/>
-              </a:buClr>
-              <a:buSzPct val="45000"/>
-              <a:buFont typeface="Wingdings" charset="2"/>
-              <a:buChar char=""/>
-            </a:pPr>
-            <a:r>
-              <a:rPr b="0" lang="en-US" sz="2000" spc="-1" strike="noStrike">
-                <a:latin typeface="Arial"/>
-              </a:rPr>
-              <a:t>Fifth Outline Level</a:t>
-            </a:r>
-            <a:endParaRPr b="0" lang="en-US" sz="2000" spc="-1" strike="noStrike">
-              <a:latin typeface="Arial"/>
-            </a:endParaRPr>
-          </a:p>
-          <a:p>
-            <a:pPr lvl="5" marL="2592000" indent="-216000">
-              <a:spcBef>
-                <a:spcPts val="283"/>
-              </a:spcBef>
-              <a:buClr>
-                <a:srgbClr val="ffffff"/>
-              </a:buClr>
-              <a:buSzPct val="45000"/>
-              <a:buFont typeface="Wingdings" charset="2"/>
-              <a:buChar char=""/>
-            </a:pPr>
-            <a:r>
-              <a:rPr b="0" lang="en-US" sz="2000" spc="-1" strike="noStrike">
-                <a:latin typeface="Arial"/>
-              </a:rPr>
-              <a:t>Sixth Outline Level</a:t>
-            </a:r>
-            <a:endParaRPr b="0" lang="en-US" sz="2000" spc="-1" strike="noStrike">
-              <a:latin typeface="Arial"/>
-            </a:endParaRPr>
-          </a:p>
-          <a:p>
-            <a:pPr lvl="6" marL="3024000" indent="-216000">
-              <a:spcBef>
-                <a:spcPts val="283"/>
-              </a:spcBef>
-              <a:buClr>
-                <a:srgbClr val="ffffff"/>
-              </a:buClr>
-              <a:buSzPct val="45000"/>
-              <a:buFont typeface="Wingdings" charset="2"/>
-              <a:buChar char=""/>
-            </a:pPr>
-            <a:r>
-              <a:rPr b="0" lang="en-US" sz="2000" spc="-1" strike="noStrike">
-                <a:latin typeface="Arial"/>
-              </a:rPr>
-              <a:t>Seventh Outline Level</a:t>
-            </a:r>
-            <a:endParaRPr b="0" lang="en-US" sz="2000" spc="-1" strike="noStrike">
-              <a:latin typeface="Arial"/>
             </a:endParaRPr>
           </a:p>
         </p:txBody>
@@ -2723,40 +2497,16 @@
           <a:chExt cx="0" cy="0"/>
         </a:xfrm>
       </p:grpSpPr>
-      <p:pic>
-        <p:nvPicPr>
-          <p:cNvPr id="41" name="Рисунок 8" descr=""/>
-          <p:cNvPicPr/>
-          <p:nvPr/>
-        </p:nvPicPr>
-        <p:blipFill>
-          <a:blip r:embed="rId1"/>
-          <a:srcRect l="34079" t="0" r="23212" b="0"/>
-          <a:stretch/>
-        </p:blipFill>
-        <p:spPr>
-          <a:xfrm flipH="1" rot="17280600">
-            <a:off x="-111600" y="2656800"/>
-            <a:ext cx="2257200" cy="3594240"/>
-          </a:xfrm>
-          <a:prstGeom prst="rect">
-            <a:avLst/>
-          </a:prstGeom>
-          <a:ln w="0">
-            <a:noFill/>
-          </a:ln>
-        </p:spPr>
-      </p:pic>
-      <p:sp>
-        <p:nvSpPr>
-          <p:cNvPr id="42" name="TextBox 10"/>
+      <p:sp>
+        <p:nvSpPr>
+          <p:cNvPr id="39" name="TextBox 10"/>
           <p:cNvSpPr/>
           <p:nvPr/>
         </p:nvSpPr>
         <p:spPr>
           <a:xfrm>
-            <a:off x="497880" y="1319760"/>
-            <a:ext cx="7903440" cy="2390760"/>
+            <a:off x="497880" y="971640"/>
+            <a:ext cx="8184960" cy="1761840"/>
           </a:xfrm>
           <a:prstGeom prst="rect">
             <a:avLst/>
@@ -2801,14 +2551,146 @@
       </p:sp>
       <p:sp>
         <p:nvSpPr>
-          <p:cNvPr id="43" name=""/>
+          <p:cNvPr id="40" name="Прямоугольник со скругленными углами 3"/>
           <p:cNvSpPr/>
           <p:nvPr/>
         </p:nvSpPr>
         <p:spPr>
           <a:xfrm>
+            <a:off x="1057680" y="2925360"/>
+            <a:ext cx="3190680" cy="1893240"/>
+          </a:xfrm>
+          <a:prstGeom prst="roundRect">
+            <a:avLst>
+              <a:gd name="adj" fmla="val 9521"/>
+            </a:avLst>
+          </a:prstGeom>
+          <a:solidFill>
+            <a:schemeClr val="bg1">
+              <a:lumMod val="85000"/>
+            </a:schemeClr>
+          </a:solidFill>
+          <a:ln>
+            <a:noFill/>
+          </a:ln>
+        </p:spPr>
+        <p:style>
+          <a:lnRef idx="2">
+            <a:schemeClr val="accent1">
+              <a:shade val="50000"/>
+            </a:schemeClr>
+          </a:lnRef>
+          <a:fillRef idx="1">
+            <a:schemeClr val="accent1"/>
+          </a:fillRef>
+          <a:effectRef idx="0">
+            <a:schemeClr val="accent1"/>
+          </a:effectRef>
+          <a:fontRef idx="minor"/>
+        </p:style>
+        <p:txBody>
+          <a:bodyPr lIns="90000" rIns="90000" tIns="45000" bIns="45000" anchor="ctr">
+            <a:noAutofit/>
+          </a:bodyPr>
+          <a:p>
+            <a:pPr algn="ctr">
+              <a:lnSpc>
+                <a:spcPct val="100000"/>
+              </a:lnSpc>
+              <a:buNone/>
+            </a:pPr>
+            <a:r>
+              <a:rPr b="0" lang="en-US" sz="1800" spc="-1" strike="noStrike">
+                <a:solidFill>
+                  <a:srgbClr val="000000"/>
+                </a:solidFill>
+                <a:latin typeface="Calibri"/>
+                <a:ea typeface="DejaVu Sans"/>
+              </a:rPr>
+              <a:t>PIC</a:t>
+            </a:r>
+            <a:endParaRPr b="0" lang="en-US" sz="1800" spc="-1" strike="noStrike">
+              <a:latin typeface="Arial"/>
+            </a:endParaRPr>
+          </a:p>
+        </p:txBody>
+      </p:sp>
+      <p:sp>
+        <p:nvSpPr>
+          <p:cNvPr id="41" name="Прямоугольник со скругленными углами 3"/>
+          <p:cNvSpPr/>
+          <p:nvPr/>
+        </p:nvSpPr>
+        <p:spPr>
+          <a:xfrm>
+            <a:off x="4986360" y="2925360"/>
+            <a:ext cx="3190680" cy="1893240"/>
+          </a:xfrm>
+          <a:prstGeom prst="roundRect">
+            <a:avLst>
+              <a:gd name="adj" fmla="val 9521"/>
+            </a:avLst>
+          </a:prstGeom>
+          <a:solidFill>
+            <a:schemeClr val="bg1">
+              <a:lumMod val="85000"/>
+            </a:schemeClr>
+          </a:solidFill>
+          <a:ln>
+            <a:noFill/>
+          </a:ln>
+        </p:spPr>
+        <p:style>
+          <a:lnRef idx="2">
+            <a:schemeClr val="accent1">
+              <a:shade val="50000"/>
+            </a:schemeClr>
+          </a:lnRef>
+          <a:fillRef idx="1">
+            <a:schemeClr val="accent1"/>
+          </a:fillRef>
+          <a:effectRef idx="0">
+            <a:schemeClr val="accent1"/>
+          </a:effectRef>
+          <a:fontRef idx="minor"/>
+        </p:style>
+        <p:txBody>
+          <a:bodyPr lIns="90000" rIns="90000" tIns="45000" bIns="45000" anchor="ctr">
+            <a:noAutofit/>
+          </a:bodyPr>
+          <a:p>
+            <a:pPr algn="ctr">
+              <a:lnSpc>
+                <a:spcPct val="100000"/>
+              </a:lnSpc>
+              <a:buNone/>
+            </a:pPr>
+            <a:r>
+              <a:rPr b="0" lang="en-US" sz="1800" spc="-1" strike="noStrike">
+                <a:solidFill>
+                  <a:srgbClr val="000000"/>
+                </a:solidFill>
+                <a:latin typeface="Calibri"/>
+                <a:ea typeface="DejaVu Sans"/>
+              </a:rPr>
+              <a:t>PIC</a:t>
+            </a:r>
+            <a:endParaRPr b="0" lang="en-US" sz="1800" spc="-1" strike="noStrike">
+              <a:latin typeface="Arial"/>
+            </a:endParaRPr>
+          </a:p>
+        </p:txBody>
+      </p:sp>
+      <p:sp>
+        <p:nvSpPr>
+          <p:cNvPr id="42" name=""/>
+          <p:cNvSpPr/>
+          <p:nvPr/>
+        </p:nvSpPr>
+        <p:spPr>
+          <a:xfrm>
             <a:off x="466200" y="493920"/>
-            <a:ext cx="7935120" cy="775440"/>
+            <a:ext cx="8182080" cy="482760"/>
           </a:xfrm>
           <a:prstGeom prst="rect">
             <a:avLst/>
@@ -2846,6 +2728,9 @@
               <a:t>TITLE</a:t>
             </a:r>
             <a:endParaRPr b="0" lang="en-US" sz="2400" spc="-1" strike="noStrike">
+              <a:solidFill>
+                <a:srgbClr val="ffffff"/>
+              </a:solidFill>
               <a:latin typeface="Arial"/>
             </a:endParaRPr>
           </a:p>
